--- a/streams/docs/pldi-2011/figures/fission-versus.pptx
+++ b/streams/docs/pldi-2011/figures/fission-versus.pptx
@@ -5564,7 +5564,7 @@
         </p:nvCxnSpPr>
         <p:spPr>
           <a:xfrm>
-            <a:off x="4368800" y="1388667"/>
+            <a:off x="4368800" y="1617276"/>
             <a:ext cx="1519767" cy="1588"/>
           </a:xfrm>
           <a:prstGeom prst="line">
@@ -5599,7 +5599,7 @@
         </p:nvSpPr>
         <p:spPr>
           <a:xfrm>
-            <a:off x="870895" y="1333717"/>
+            <a:off x="870895" y="1562326"/>
             <a:ext cx="500706" cy="275251"/>
           </a:xfrm>
           <a:prstGeom prst="roundRect">
@@ -5661,7 +5661,7 @@
         </p:nvSpPr>
         <p:spPr>
           <a:xfrm>
-            <a:off x="63500" y="1168596"/>
+            <a:off x="63500" y="1397205"/>
             <a:ext cx="773651" cy="600164"/>
           </a:xfrm>
           <a:prstGeom prst="rect">
@@ -5729,7 +5729,7 @@
         </p:nvCxnSpPr>
         <p:spPr>
           <a:xfrm>
-            <a:off x="1587500" y="1387079"/>
+            <a:off x="1587500" y="1615688"/>
             <a:ext cx="2774950" cy="1588"/>
           </a:xfrm>
           <a:prstGeom prst="line">
@@ -5764,8 +5764,8 @@
         </p:nvSpPr>
         <p:spPr>
           <a:xfrm>
-            <a:off x="971480" y="2311617"/>
-            <a:ext cx="400121" cy="275251"/>
+            <a:off x="971480" y="2210013"/>
+            <a:ext cx="400121" cy="202098"/>
           </a:xfrm>
           <a:prstGeom prst="roundRect">
             <a:avLst/>
@@ -5799,7 +5799,7 @@
           <a:p>
             <a:pPr algn="ctr"/>
             <a:r>
-              <a:rPr lang="en-US" sz="1100" i="1" dirty="0" smtClean="0">
+              <a:rPr lang="en-US" sz="1000" i="1" dirty="0" smtClean="0">
                 <a:solidFill>
                   <a:srgbClr val="000000"/>
                 </a:solidFill>
@@ -5809,7 +5809,7 @@
               <a:t>f</a:t>
             </a:r>
             <a:r>
-              <a:rPr lang="en-US" sz="1100" i="1" baseline="-25000" dirty="0" smtClean="0">
+              <a:rPr lang="en-US" sz="1000" i="1" baseline="-25000" dirty="0" smtClean="0">
                 <a:solidFill>
                   <a:srgbClr val="000000"/>
                 </a:solidFill>
@@ -5818,7 +5818,7 @@
               </a:rPr>
               <a:t>1</a:t>
             </a:r>
-            <a:endParaRPr lang="en-US" sz="1100" i="1" baseline="-25000" dirty="0">
+            <a:endParaRPr lang="en-US" sz="1000" i="1" baseline="-25000" dirty="0">
               <a:solidFill>
                 <a:srgbClr val="000000"/>
               </a:solidFill>
@@ -5836,8 +5836,8 @@
         </p:nvSpPr>
         <p:spPr>
           <a:xfrm>
-            <a:off x="971480" y="2648167"/>
-            <a:ext cx="400121" cy="275251"/>
+            <a:off x="971480" y="2540918"/>
+            <a:ext cx="400121" cy="202098"/>
           </a:xfrm>
           <a:prstGeom prst="roundRect">
             <a:avLst/>
@@ -5871,7 +5871,7 @@
           <a:p>
             <a:pPr algn="ctr"/>
             <a:r>
-              <a:rPr lang="en-US" sz="1100" i="1" dirty="0" smtClean="0">
+              <a:rPr lang="en-US" sz="1000" i="1" dirty="0" smtClean="0">
                 <a:solidFill>
                   <a:srgbClr val="000000"/>
                 </a:solidFill>
@@ -5881,7 +5881,7 @@
               <a:t>f</a:t>
             </a:r>
             <a:r>
-              <a:rPr lang="en-US" sz="1100" i="1" baseline="-25000" dirty="0" smtClean="0">
+              <a:rPr lang="en-US" sz="1000" i="1" baseline="-25000" dirty="0" smtClean="0">
                 <a:solidFill>
                   <a:srgbClr val="000000"/>
                 </a:solidFill>
@@ -5890,7 +5890,7 @@
               </a:rPr>
               <a:t>2</a:t>
             </a:r>
-            <a:endParaRPr lang="en-US" sz="1100" i="1" baseline="-25000" dirty="0">
+            <a:endParaRPr lang="en-US" sz="1000" i="1" baseline="-25000" dirty="0">
               <a:solidFill>
                 <a:srgbClr val="000000"/>
               </a:solidFill>
@@ -5908,8 +5908,8 @@
         </p:nvSpPr>
         <p:spPr>
           <a:xfrm>
-            <a:off x="971480" y="2984717"/>
-            <a:ext cx="400121" cy="275251"/>
+            <a:off x="971480" y="2871823"/>
+            <a:ext cx="400121" cy="202098"/>
           </a:xfrm>
           <a:prstGeom prst="roundRect">
             <a:avLst/>
@@ -5943,7 +5943,7 @@
           <a:p>
             <a:pPr algn="ctr"/>
             <a:r>
-              <a:rPr lang="en-US" sz="1100" i="1" dirty="0" smtClean="0">
+              <a:rPr lang="en-US" sz="1000" i="1" dirty="0" smtClean="0">
                 <a:solidFill>
                   <a:srgbClr val="000000"/>
                 </a:solidFill>
@@ -5953,7 +5953,7 @@
               <a:t>f</a:t>
             </a:r>
             <a:r>
-              <a:rPr lang="en-US" sz="1100" i="1" baseline="-25000" dirty="0" smtClean="0">
+              <a:rPr lang="en-US" sz="1000" i="1" baseline="-25000" dirty="0" smtClean="0">
                 <a:solidFill>
                   <a:srgbClr val="000000"/>
                 </a:solidFill>
@@ -5962,7 +5962,7 @@
               </a:rPr>
               <a:t>3</a:t>
             </a:r>
-            <a:endParaRPr lang="en-US" sz="1100" i="1" baseline="-25000" dirty="0">
+            <a:endParaRPr lang="en-US" sz="1000" i="1" baseline="-25000" dirty="0">
               <a:solidFill>
                 <a:srgbClr val="000000"/>
               </a:solidFill>
@@ -5980,8 +5980,8 @@
         </p:nvSpPr>
         <p:spPr>
           <a:xfrm>
-            <a:off x="971480" y="3321267"/>
-            <a:ext cx="400121" cy="275251"/>
+            <a:off x="971480" y="3202729"/>
+            <a:ext cx="400121" cy="202098"/>
           </a:xfrm>
           <a:prstGeom prst="roundRect">
             <a:avLst/>
@@ -6015,7 +6015,7 @@
           <a:p>
             <a:pPr algn="ctr"/>
             <a:r>
-              <a:rPr lang="en-US" sz="1100" i="1" dirty="0" smtClean="0">
+              <a:rPr lang="en-US" sz="1000" i="1" dirty="0" smtClean="0">
                 <a:solidFill>
                   <a:srgbClr val="000000"/>
                 </a:solidFill>
@@ -6025,7 +6025,7 @@
               <a:t>f</a:t>
             </a:r>
             <a:r>
-              <a:rPr lang="en-US" sz="1100" i="1" baseline="-25000" dirty="0" smtClean="0">
+              <a:rPr lang="en-US" sz="1000" i="1" baseline="-25000" dirty="0" smtClean="0">
                 <a:solidFill>
                   <a:srgbClr val="000000"/>
                 </a:solidFill>
@@ -6034,7 +6034,7 @@
               </a:rPr>
               <a:t>4</a:t>
             </a:r>
-            <a:endParaRPr lang="en-US" sz="1100" i="1" baseline="-25000" dirty="0">
+            <a:endParaRPr lang="en-US" sz="1000" i="1" baseline="-25000" dirty="0">
               <a:solidFill>
                 <a:srgbClr val="000000"/>
               </a:solidFill>
@@ -6131,7 +6131,7 @@
         </p:nvCxnSpPr>
         <p:spPr>
           <a:xfrm rot="5400000" flipH="1" flipV="1">
-            <a:off x="1510112" y="1387079"/>
+            <a:off x="1510112" y="1615688"/>
             <a:ext cx="140492" cy="1588"/>
           </a:xfrm>
           <a:prstGeom prst="line">
@@ -6166,7 +6166,7 @@
         </p:nvCxnSpPr>
         <p:spPr>
           <a:xfrm rot="5400000" flipH="1" flipV="1">
-            <a:off x="5819645" y="1387079"/>
+            <a:off x="5819645" y="1615688"/>
             <a:ext cx="140492" cy="1588"/>
           </a:xfrm>
           <a:prstGeom prst="line">
@@ -6201,7 +6201,7 @@
         </p:nvSpPr>
         <p:spPr>
           <a:xfrm>
-            <a:off x="1530350" y="1143196"/>
+            <a:off x="1530350" y="1371805"/>
             <a:ext cx="255198" cy="261610"/>
           </a:xfrm>
           <a:prstGeom prst="rect">
@@ -6237,7 +6237,7 @@
         </p:nvSpPr>
         <p:spPr>
           <a:xfrm>
-            <a:off x="5630337" y="1143196"/>
+            <a:off x="5630337" y="1371805"/>
             <a:ext cx="325730" cy="261610"/>
           </a:xfrm>
           <a:prstGeom prst="rect">
@@ -6273,7 +6273,7 @@
         </p:nvSpPr>
         <p:spPr>
           <a:xfrm>
-            <a:off x="1521882" y="2216345"/>
+            <a:off x="1521882" y="2055477"/>
             <a:ext cx="255198" cy="261610"/>
           </a:xfrm>
           <a:prstGeom prst="rect">
@@ -6309,7 +6309,7 @@
         </p:nvSpPr>
         <p:spPr>
           <a:xfrm>
-            <a:off x="2084916" y="2216345"/>
+            <a:off x="2084916" y="2055477"/>
             <a:ext cx="325730" cy="261610"/>
           </a:xfrm>
           <a:prstGeom prst="rect">
@@ -6345,7 +6345,7 @@
         </p:nvCxnSpPr>
         <p:spPr>
           <a:xfrm rot="5400000" flipH="1" flipV="1">
-            <a:off x="4297762" y="1387079"/>
+            <a:off x="4297762" y="1615688"/>
             <a:ext cx="140492" cy="1588"/>
           </a:xfrm>
           <a:prstGeom prst="line">
@@ -6380,7 +6380,7 @@
         </p:nvSpPr>
         <p:spPr>
           <a:xfrm>
-            <a:off x="4076700" y="1136846"/>
+            <a:off x="4076700" y="1365455"/>
             <a:ext cx="325730" cy="261610"/>
           </a:xfrm>
           <a:prstGeom prst="rect">
@@ -6416,7 +6416,7 @@
         </p:nvSpPr>
         <p:spPr>
           <a:xfrm>
-            <a:off x="4318000" y="1143196"/>
+            <a:off x="4318000" y="1371805"/>
             <a:ext cx="325730" cy="261610"/>
           </a:xfrm>
           <a:prstGeom prst="rect">
@@ -6452,7 +6452,7 @@
         </p:nvCxnSpPr>
         <p:spPr>
           <a:xfrm>
-            <a:off x="3657600" y="3464448"/>
+            <a:off x="3657600" y="3328981"/>
             <a:ext cx="711200" cy="1588"/>
           </a:xfrm>
           <a:prstGeom prst="line">
@@ -6487,7 +6487,7 @@
         </p:nvCxnSpPr>
         <p:spPr>
           <a:xfrm rot="5400000" flipH="1" flipV="1">
-            <a:off x="3600851" y="3458098"/>
+            <a:off x="3600851" y="3322631"/>
             <a:ext cx="140492" cy="1588"/>
           </a:xfrm>
           <a:prstGeom prst="line">
@@ -6522,7 +6522,7 @@
         </p:nvCxnSpPr>
         <p:spPr>
           <a:xfrm>
-            <a:off x="1587500" y="2445273"/>
+            <a:off x="1587500" y="2301339"/>
             <a:ext cx="685800" cy="1588"/>
           </a:xfrm>
           <a:prstGeom prst="line">
@@ -6557,7 +6557,7 @@
         </p:nvCxnSpPr>
         <p:spPr>
           <a:xfrm rot="5400000" flipH="1" flipV="1">
-            <a:off x="1510112" y="2445273"/>
+            <a:off x="1510112" y="2301339"/>
             <a:ext cx="140492" cy="1588"/>
           </a:xfrm>
           <a:prstGeom prst="line">
@@ -6592,7 +6592,7 @@
         </p:nvCxnSpPr>
         <p:spPr>
           <a:xfrm rot="5400000" flipH="1" flipV="1">
-            <a:off x="2207025" y="2784998"/>
+            <a:off x="2207025" y="2666465"/>
             <a:ext cx="140492" cy="1588"/>
           </a:xfrm>
           <a:prstGeom prst="line">
@@ -6627,7 +6627,7 @@
         </p:nvCxnSpPr>
         <p:spPr>
           <a:xfrm>
-            <a:off x="2279650" y="2784998"/>
+            <a:off x="2279650" y="2666465"/>
             <a:ext cx="692150" cy="1588"/>
           </a:xfrm>
           <a:prstGeom prst="line">
@@ -6662,7 +6662,7 @@
         </p:nvCxnSpPr>
         <p:spPr>
           <a:xfrm>
-            <a:off x="2971800" y="3123136"/>
+            <a:off x="2971800" y="2987669"/>
             <a:ext cx="698500" cy="1588"/>
           </a:xfrm>
           <a:prstGeom prst="line">
@@ -6697,7 +6697,7 @@
         </p:nvCxnSpPr>
         <p:spPr>
           <a:xfrm rot="5400000" flipH="1" flipV="1">
-            <a:off x="2903938" y="3121548"/>
+            <a:off x="2903938" y="2986081"/>
             <a:ext cx="140492" cy="1588"/>
           </a:xfrm>
           <a:prstGeom prst="line">
@@ -6732,7 +6732,7 @@
         </p:nvCxnSpPr>
         <p:spPr>
           <a:xfrm>
-            <a:off x="2277533" y="2451235"/>
+            <a:off x="2277533" y="2307301"/>
             <a:ext cx="1519767" cy="1588"/>
           </a:xfrm>
           <a:prstGeom prst="line">
@@ -6767,7 +6767,7 @@
         </p:nvCxnSpPr>
         <p:spPr>
           <a:xfrm rot="5400000" flipH="1" flipV="1">
-            <a:off x="3728378" y="2449647"/>
+            <a:off x="3728378" y="2305713"/>
             <a:ext cx="140492" cy="1588"/>
           </a:xfrm>
           <a:prstGeom prst="line">
@@ -6802,7 +6802,7 @@
         </p:nvCxnSpPr>
         <p:spPr>
           <a:xfrm>
-            <a:off x="2976033" y="2785668"/>
+            <a:off x="2976033" y="2667135"/>
             <a:ext cx="1519767" cy="1588"/>
           </a:xfrm>
           <a:prstGeom prst="line">
@@ -6837,7 +6837,7 @@
         </p:nvCxnSpPr>
         <p:spPr>
           <a:xfrm rot="5400000" flipH="1" flipV="1">
-            <a:off x="4426878" y="2784080"/>
+            <a:off x="4426878" y="2665547"/>
             <a:ext cx="140492" cy="1588"/>
           </a:xfrm>
           <a:prstGeom prst="line">
@@ -6872,7 +6872,7 @@
         </p:nvCxnSpPr>
         <p:spPr>
           <a:xfrm>
-            <a:off x="3670300" y="3124335"/>
+            <a:off x="3670300" y="2988868"/>
             <a:ext cx="1519767" cy="1588"/>
           </a:xfrm>
           <a:prstGeom prst="line">
@@ -6907,7 +6907,7 @@
         </p:nvCxnSpPr>
         <p:spPr>
           <a:xfrm rot="5400000" flipH="1" flipV="1">
-            <a:off x="5121145" y="3122747"/>
+            <a:off x="5121145" y="2987280"/>
             <a:ext cx="140492" cy="1588"/>
           </a:xfrm>
           <a:prstGeom prst="line">
@@ -6942,7 +6942,7 @@
         </p:nvCxnSpPr>
         <p:spPr>
           <a:xfrm>
-            <a:off x="4368800" y="3467234"/>
+            <a:off x="4368800" y="3331767"/>
             <a:ext cx="1519767" cy="1588"/>
           </a:xfrm>
           <a:prstGeom prst="line">
@@ -6977,7 +6977,7 @@
         </p:nvCxnSpPr>
         <p:spPr>
           <a:xfrm rot="5400000" flipH="1" flipV="1">
-            <a:off x="5819645" y="3465646"/>
+            <a:off x="5819645" y="3330179"/>
             <a:ext cx="140492" cy="1588"/>
           </a:xfrm>
           <a:prstGeom prst="line">
@@ -7012,7 +7012,7 @@
         </p:nvCxnSpPr>
         <p:spPr>
           <a:xfrm rot="5400000" flipH="1" flipV="1">
-            <a:off x="2206495" y="2449647"/>
+            <a:off x="2206495" y="2305713"/>
             <a:ext cx="140492" cy="1588"/>
           </a:xfrm>
           <a:prstGeom prst="line">
@@ -7047,7 +7047,7 @@
         </p:nvCxnSpPr>
         <p:spPr>
           <a:xfrm rot="5400000" flipH="1" flipV="1">
-            <a:off x="2904995" y="2784080"/>
+            <a:off x="2904995" y="2665547"/>
             <a:ext cx="140492" cy="1588"/>
           </a:xfrm>
           <a:prstGeom prst="line">
@@ -7082,7 +7082,7 @@
         </p:nvCxnSpPr>
         <p:spPr>
           <a:xfrm rot="5400000" flipH="1" flipV="1">
-            <a:off x="3599262" y="3122747"/>
+            <a:off x="3599262" y="2987280"/>
             <a:ext cx="140492" cy="1588"/>
           </a:xfrm>
           <a:prstGeom prst="line">
@@ -7117,7 +7117,7 @@
         </p:nvCxnSpPr>
         <p:spPr>
           <a:xfrm rot="5400000" flipH="1" flipV="1">
-            <a:off x="4297762" y="3465646"/>
+            <a:off x="4297762" y="3330179"/>
             <a:ext cx="140492" cy="1588"/>
           </a:xfrm>
           <a:prstGeom prst="line">
@@ -7152,7 +7152,7 @@
         </p:nvSpPr>
         <p:spPr>
           <a:xfrm>
-            <a:off x="2220382" y="2216345"/>
+            <a:off x="2220382" y="2055477"/>
             <a:ext cx="325730" cy="261610"/>
           </a:xfrm>
           <a:prstGeom prst="rect">
@@ -7188,7 +7188,7 @@
         </p:nvSpPr>
         <p:spPr>
           <a:xfrm>
-            <a:off x="3524248" y="2216345"/>
+            <a:off x="3524248" y="2055477"/>
             <a:ext cx="325730" cy="261610"/>
           </a:xfrm>
           <a:prstGeom prst="rect">
@@ -7224,7 +7224,7 @@
         </p:nvSpPr>
         <p:spPr>
           <a:xfrm>
-            <a:off x="2220382" y="2550778"/>
+            <a:off x="2220382" y="2432245"/>
             <a:ext cx="255198" cy="261610"/>
           </a:xfrm>
           <a:prstGeom prst="rect">
@@ -7260,7 +7260,7 @@
         </p:nvSpPr>
         <p:spPr>
           <a:xfrm>
-            <a:off x="2783416" y="2550778"/>
+            <a:off x="2783416" y="2432245"/>
             <a:ext cx="325730" cy="261610"/>
           </a:xfrm>
           <a:prstGeom prst="rect">
@@ -7296,7 +7296,7 @@
         </p:nvSpPr>
         <p:spPr>
           <a:xfrm>
-            <a:off x="2918882" y="2550778"/>
+            <a:off x="2918882" y="2432245"/>
             <a:ext cx="325730" cy="261610"/>
           </a:xfrm>
           <a:prstGeom prst="rect">
@@ -7328,7 +7328,7 @@
         </p:nvSpPr>
         <p:spPr>
           <a:xfrm>
-            <a:off x="4222748" y="2550778"/>
+            <a:off x="4222748" y="2432245"/>
             <a:ext cx="325730" cy="261610"/>
           </a:xfrm>
           <a:prstGeom prst="rect">
@@ -7364,7 +7364,7 @@
         </p:nvSpPr>
         <p:spPr>
           <a:xfrm>
-            <a:off x="2918882" y="2893678"/>
+            <a:off x="2918882" y="2758211"/>
             <a:ext cx="255198" cy="261610"/>
           </a:xfrm>
           <a:prstGeom prst="rect">
@@ -7400,7 +7400,7 @@
         </p:nvSpPr>
         <p:spPr>
           <a:xfrm>
-            <a:off x="3431120" y="2893678"/>
+            <a:off x="3431120" y="2758211"/>
             <a:ext cx="325730" cy="261610"/>
           </a:xfrm>
           <a:prstGeom prst="rect">
@@ -7436,7 +7436,7 @@
         </p:nvSpPr>
         <p:spPr>
           <a:xfrm>
-            <a:off x="3613148" y="2893678"/>
+            <a:off x="3613148" y="2758211"/>
             <a:ext cx="325730" cy="261610"/>
           </a:xfrm>
           <a:prstGeom prst="rect">
@@ -7472,7 +7472,7 @@
         </p:nvSpPr>
         <p:spPr>
           <a:xfrm>
-            <a:off x="4921248" y="2893678"/>
+            <a:off x="4921248" y="2758211"/>
             <a:ext cx="325730" cy="261610"/>
           </a:xfrm>
           <a:prstGeom prst="rect">
@@ -7508,7 +7508,7 @@
         </p:nvSpPr>
         <p:spPr>
           <a:xfrm>
-            <a:off x="3613148" y="3228111"/>
+            <a:off x="3613148" y="3092644"/>
             <a:ext cx="325730" cy="261610"/>
           </a:xfrm>
           <a:prstGeom prst="rect">
@@ -7544,7 +7544,7 @@
         </p:nvSpPr>
         <p:spPr>
           <a:xfrm>
-            <a:off x="4116920" y="3228111"/>
+            <a:off x="4116920" y="3092644"/>
             <a:ext cx="325730" cy="261610"/>
           </a:xfrm>
           <a:prstGeom prst="rect">
@@ -7580,7 +7580,7 @@
         </p:nvSpPr>
         <p:spPr>
           <a:xfrm>
-            <a:off x="4307415" y="3228111"/>
+            <a:off x="4307415" y="3092644"/>
             <a:ext cx="325730" cy="261610"/>
           </a:xfrm>
           <a:prstGeom prst="rect">
@@ -7616,7 +7616,7 @@
         </p:nvSpPr>
         <p:spPr>
           <a:xfrm>
-            <a:off x="5611281" y="3228111"/>
+            <a:off x="5611281" y="3092644"/>
             <a:ext cx="325730" cy="261610"/>
           </a:xfrm>
           <a:prstGeom prst="rect">
@@ -7652,7 +7652,7 @@
         </p:nvSpPr>
         <p:spPr>
           <a:xfrm>
-            <a:off x="4311648" y="2212112"/>
+            <a:off x="4311648" y="2051244"/>
             <a:ext cx="325730" cy="261610"/>
           </a:xfrm>
           <a:prstGeom prst="rect">
@@ -7688,7 +7688,7 @@
         </p:nvSpPr>
         <p:spPr>
           <a:xfrm>
-            <a:off x="4804832" y="2212112"/>
+            <a:off x="4804832" y="2051244"/>
             <a:ext cx="325730" cy="261610"/>
           </a:xfrm>
           <a:prstGeom prst="rect">
@@ -7724,7 +7724,7 @@
         </p:nvCxnSpPr>
         <p:spPr>
           <a:xfrm>
-            <a:off x="4377266" y="2441040"/>
+            <a:off x="4377266" y="2297106"/>
             <a:ext cx="685800" cy="1588"/>
           </a:xfrm>
           <a:prstGeom prst="line">
@@ -7759,7 +7759,7 @@
         </p:nvCxnSpPr>
         <p:spPr>
           <a:xfrm rot="5400000" flipH="1" flipV="1">
-            <a:off x="4299878" y="2441040"/>
+            <a:off x="4299878" y="2297106"/>
             <a:ext cx="140492" cy="1588"/>
           </a:xfrm>
           <a:prstGeom prst="line">
@@ -7794,7 +7794,7 @@
         </p:nvCxnSpPr>
         <p:spPr>
           <a:xfrm>
-            <a:off x="5067299" y="2447002"/>
+            <a:off x="5067299" y="2303068"/>
             <a:ext cx="1519767" cy="1588"/>
           </a:xfrm>
           <a:prstGeom prst="line">
@@ -7829,7 +7829,7 @@
         </p:nvCxnSpPr>
         <p:spPr>
           <a:xfrm rot="5400000" flipH="1" flipV="1">
-            <a:off x="6518144" y="2445414"/>
+            <a:off x="6518144" y="2301480"/>
             <a:ext cx="140492" cy="1588"/>
           </a:xfrm>
           <a:prstGeom prst="line">
@@ -7864,7 +7864,7 @@
         </p:nvCxnSpPr>
         <p:spPr>
           <a:xfrm rot="5400000" flipH="1" flipV="1">
-            <a:off x="4996261" y="2445414"/>
+            <a:off x="4996261" y="2301480"/>
             <a:ext cx="140492" cy="1588"/>
           </a:xfrm>
           <a:prstGeom prst="line">
@@ -7899,7 +7899,7 @@
         </p:nvSpPr>
         <p:spPr>
           <a:xfrm>
-            <a:off x="5010148" y="2212112"/>
+            <a:off x="5010148" y="2051244"/>
             <a:ext cx="325730" cy="261610"/>
           </a:xfrm>
           <a:prstGeom prst="rect">
@@ -7935,7 +7935,7 @@
         </p:nvSpPr>
         <p:spPr>
           <a:xfrm>
-            <a:off x="6314014" y="2212112"/>
+            <a:off x="6314014" y="2051244"/>
             <a:ext cx="325730" cy="261610"/>
           </a:xfrm>
           <a:prstGeom prst="rect">
@@ -7971,7 +7971,7 @@
         </p:nvSpPr>
         <p:spPr>
           <a:xfrm>
-            <a:off x="5007608" y="2552472"/>
+            <a:off x="5007608" y="2433939"/>
             <a:ext cx="325730" cy="261610"/>
           </a:xfrm>
           <a:prstGeom prst="rect">
@@ -8007,7 +8007,7 @@
         </p:nvSpPr>
         <p:spPr>
           <a:xfrm>
-            <a:off x="5507142" y="2552472"/>
+            <a:off x="5507142" y="2433939"/>
             <a:ext cx="325730" cy="261610"/>
           </a:xfrm>
           <a:prstGeom prst="rect">
@@ -8043,7 +8043,7 @@
         </p:nvCxnSpPr>
         <p:spPr>
           <a:xfrm>
-            <a:off x="5073226" y="2781400"/>
+            <a:off x="5073226" y="2662867"/>
             <a:ext cx="685800" cy="1588"/>
           </a:xfrm>
           <a:prstGeom prst="line">
@@ -8078,7 +8078,7 @@
         </p:nvCxnSpPr>
         <p:spPr>
           <a:xfrm rot="5400000" flipH="1" flipV="1">
-            <a:off x="4995838" y="2781400"/>
+            <a:off x="4995838" y="2662867"/>
             <a:ext cx="140492" cy="1588"/>
           </a:xfrm>
           <a:prstGeom prst="line">
@@ -8113,7 +8113,7 @@
         </p:nvCxnSpPr>
         <p:spPr>
           <a:xfrm>
-            <a:off x="5763259" y="2787362"/>
+            <a:off x="5763259" y="2668829"/>
             <a:ext cx="1519767" cy="1588"/>
           </a:xfrm>
           <a:prstGeom prst="line">
@@ -8148,7 +8148,7 @@
         </p:nvCxnSpPr>
         <p:spPr>
           <a:xfrm rot="5400000" flipH="1" flipV="1">
-            <a:off x="7214104" y="2785774"/>
+            <a:off x="7214104" y="2667241"/>
             <a:ext cx="140492" cy="1588"/>
           </a:xfrm>
           <a:prstGeom prst="line">
@@ -8183,7 +8183,7 @@
         </p:nvCxnSpPr>
         <p:spPr>
           <a:xfrm rot="5400000" flipH="1" flipV="1">
-            <a:off x="5692221" y="2785774"/>
+            <a:off x="5692221" y="2667241"/>
             <a:ext cx="140492" cy="1588"/>
           </a:xfrm>
           <a:prstGeom prst="line">
@@ -8218,7 +8218,7 @@
         </p:nvSpPr>
         <p:spPr>
           <a:xfrm>
-            <a:off x="5706108" y="2552472"/>
+            <a:off x="5706108" y="2433939"/>
             <a:ext cx="325730" cy="261610"/>
           </a:xfrm>
           <a:prstGeom prst="rect">
@@ -8254,7 +8254,7 @@
         </p:nvSpPr>
         <p:spPr>
           <a:xfrm>
-            <a:off x="7009974" y="2552472"/>
+            <a:off x="7009974" y="2433939"/>
             <a:ext cx="325730" cy="261610"/>
           </a:xfrm>
           <a:prstGeom prst="rect">
@@ -8297,7 +8297,7 @@
         </p:nvCxnSpPr>
         <p:spPr>
           <a:xfrm>
-            <a:off x="5774266" y="3126840"/>
+            <a:off x="5774266" y="2991373"/>
             <a:ext cx="685800" cy="1588"/>
           </a:xfrm>
           <a:prstGeom prst="line">
@@ -8332,7 +8332,7 @@
         </p:nvCxnSpPr>
         <p:spPr>
           <a:xfrm rot="5400000" flipH="1" flipV="1">
-            <a:off x="5696878" y="3126840"/>
+            <a:off x="5696878" y="2991373"/>
             <a:ext cx="140492" cy="1588"/>
           </a:xfrm>
           <a:prstGeom prst="line">
@@ -8367,7 +8367,7 @@
         </p:nvCxnSpPr>
         <p:spPr>
           <a:xfrm>
-            <a:off x="6464299" y="3132802"/>
+            <a:off x="6464299" y="2997335"/>
             <a:ext cx="1519767" cy="1588"/>
           </a:xfrm>
           <a:prstGeom prst="line">
@@ -8402,7 +8402,7 @@
         </p:nvCxnSpPr>
         <p:spPr>
           <a:xfrm rot="5400000" flipH="1" flipV="1">
-            <a:off x="7915144" y="3131214"/>
+            <a:off x="7915144" y="2995747"/>
             <a:ext cx="140492" cy="1588"/>
           </a:xfrm>
           <a:prstGeom prst="line">
@@ -8437,7 +8437,7 @@
         </p:nvCxnSpPr>
         <p:spPr>
           <a:xfrm rot="5400000" flipH="1" flipV="1">
-            <a:off x="6393261" y="3131214"/>
+            <a:off x="6393261" y="2995747"/>
             <a:ext cx="140492" cy="1588"/>
           </a:xfrm>
           <a:prstGeom prst="line">
@@ -8472,7 +8472,7 @@
         </p:nvCxnSpPr>
         <p:spPr>
           <a:xfrm>
-            <a:off x="6470226" y="3477360"/>
+            <a:off x="6470226" y="3341893"/>
             <a:ext cx="685800" cy="1588"/>
           </a:xfrm>
           <a:prstGeom prst="line">
@@ -8507,7 +8507,7 @@
         </p:nvCxnSpPr>
         <p:spPr>
           <a:xfrm rot="5400000" flipH="1" flipV="1">
-            <a:off x="6392838" y="3477360"/>
+            <a:off x="6392838" y="3341893"/>
             <a:ext cx="140492" cy="1588"/>
           </a:xfrm>
           <a:prstGeom prst="line">
@@ -8542,7 +8542,7 @@
         </p:nvCxnSpPr>
         <p:spPr>
           <a:xfrm>
-            <a:off x="7160259" y="3483322"/>
+            <a:off x="7160259" y="3347855"/>
             <a:ext cx="1519767" cy="1588"/>
           </a:xfrm>
           <a:prstGeom prst="line">
@@ -8577,7 +8577,7 @@
         </p:nvCxnSpPr>
         <p:spPr>
           <a:xfrm rot="5400000" flipH="1" flipV="1">
-            <a:off x="8611104" y="3481734"/>
+            <a:off x="8611104" y="3346267"/>
             <a:ext cx="140492" cy="1588"/>
           </a:xfrm>
           <a:prstGeom prst="line">
@@ -8612,7 +8612,7 @@
         </p:nvCxnSpPr>
         <p:spPr>
           <a:xfrm rot="5400000" flipH="1" flipV="1">
-            <a:off x="7089221" y="3481734"/>
+            <a:off x="7089221" y="3346267"/>
             <a:ext cx="140492" cy="1588"/>
           </a:xfrm>
           <a:prstGeom prst="line">
@@ -8647,7 +8647,7 @@
         </p:nvCxnSpPr>
         <p:spPr>
           <a:xfrm>
-            <a:off x="7156450" y="1560117"/>
+            <a:off x="7156450" y="1788726"/>
             <a:ext cx="1519767" cy="1588"/>
           </a:xfrm>
           <a:prstGeom prst="line">
@@ -8682,7 +8682,7 @@
         </p:nvCxnSpPr>
         <p:spPr>
           <a:xfrm>
-            <a:off x="4375150" y="1558529"/>
+            <a:off x="4375150" y="1787138"/>
             <a:ext cx="2774950" cy="1588"/>
           </a:xfrm>
           <a:prstGeom prst="line">
@@ -8717,7 +8717,7 @@
         </p:nvCxnSpPr>
         <p:spPr>
           <a:xfrm rot="5400000" flipH="1" flipV="1">
-            <a:off x="4297762" y="1558529"/>
+            <a:off x="4297762" y="1787138"/>
             <a:ext cx="140492" cy="1588"/>
           </a:xfrm>
           <a:prstGeom prst="line">
@@ -8752,7 +8752,7 @@
         </p:nvCxnSpPr>
         <p:spPr>
           <a:xfrm rot="5400000" flipH="1" flipV="1">
-            <a:off x="8607295" y="1558529"/>
+            <a:off x="8607295" y="1787138"/>
             <a:ext cx="140492" cy="1588"/>
           </a:xfrm>
           <a:prstGeom prst="line">
@@ -8787,7 +8787,7 @@
         </p:nvSpPr>
         <p:spPr>
           <a:xfrm>
-            <a:off x="8417987" y="1314646"/>
+            <a:off x="8417987" y="1543255"/>
             <a:ext cx="325730" cy="261610"/>
           </a:xfrm>
           <a:prstGeom prst="rect">
@@ -8823,7 +8823,7 @@
         </p:nvCxnSpPr>
         <p:spPr>
           <a:xfrm rot="5400000" flipH="1" flipV="1">
-            <a:off x="7085412" y="1558529"/>
+            <a:off x="7085412" y="1787138"/>
             <a:ext cx="140492" cy="1588"/>
           </a:xfrm>
           <a:prstGeom prst="line">
@@ -8858,7 +8858,7 @@
         </p:nvSpPr>
         <p:spPr>
           <a:xfrm>
-            <a:off x="6889750" y="1308296"/>
+            <a:off x="6889750" y="1536905"/>
             <a:ext cx="325730" cy="261610"/>
           </a:xfrm>
           <a:prstGeom prst="rect">
@@ -8894,7 +8894,7 @@
         </p:nvSpPr>
         <p:spPr>
           <a:xfrm>
-            <a:off x="7105650" y="1314646"/>
+            <a:off x="7105650" y="1543255"/>
             <a:ext cx="325730" cy="261610"/>
           </a:xfrm>
           <a:prstGeom prst="rect">
@@ -8930,7 +8930,7 @@
         </p:nvSpPr>
         <p:spPr>
           <a:xfrm>
-            <a:off x="5712458" y="2901722"/>
+            <a:off x="5712458" y="2766255"/>
             <a:ext cx="325730" cy="261610"/>
           </a:xfrm>
           <a:prstGeom prst="rect">
@@ -8966,7 +8966,7 @@
         </p:nvSpPr>
         <p:spPr>
           <a:xfrm>
-            <a:off x="6211992" y="2901722"/>
+            <a:off x="6211992" y="2766255"/>
             <a:ext cx="325730" cy="261610"/>
           </a:xfrm>
           <a:prstGeom prst="rect">
@@ -9002,7 +9002,7 @@
         </p:nvSpPr>
         <p:spPr>
           <a:xfrm>
-            <a:off x="6410958" y="2901722"/>
+            <a:off x="6410958" y="2766255"/>
             <a:ext cx="325730" cy="261610"/>
           </a:xfrm>
           <a:prstGeom prst="rect">
@@ -9038,7 +9038,7 @@
         </p:nvSpPr>
         <p:spPr>
           <a:xfrm>
-            <a:off x="7714824" y="2901722"/>
+            <a:off x="7714824" y="2766255"/>
             <a:ext cx="325730" cy="261610"/>
           </a:xfrm>
           <a:prstGeom prst="rect">
@@ -9077,7 +9077,7 @@
         </p:nvSpPr>
         <p:spPr>
           <a:xfrm>
-            <a:off x="6410958" y="3225572"/>
+            <a:off x="6410958" y="3090105"/>
             <a:ext cx="325730" cy="261610"/>
           </a:xfrm>
           <a:prstGeom prst="rect">
@@ -9113,7 +9113,7 @@
         </p:nvSpPr>
         <p:spPr>
           <a:xfrm>
-            <a:off x="6910492" y="3225572"/>
+            <a:off x="6910492" y="3090105"/>
             <a:ext cx="325730" cy="261610"/>
           </a:xfrm>
           <a:prstGeom prst="rect">
@@ -9149,7 +9149,7 @@
         </p:nvSpPr>
         <p:spPr>
           <a:xfrm>
-            <a:off x="7109458" y="3225572"/>
+            <a:off x="7109458" y="3090105"/>
             <a:ext cx="325730" cy="261610"/>
           </a:xfrm>
           <a:prstGeom prst="rect">
@@ -9185,7 +9185,7 @@
         </p:nvSpPr>
         <p:spPr>
           <a:xfrm>
-            <a:off x="8413324" y="3225572"/>
+            <a:off x="8413324" y="3090105"/>
             <a:ext cx="325730" cy="261610"/>
           </a:xfrm>
           <a:prstGeom prst="rect">
@@ -22992,7 +22992,7 @@
         </p:nvSpPr>
         <p:spPr>
           <a:xfrm>
-            <a:off x="914365" y="2769859"/>
+            <a:off x="914365" y="2676722"/>
             <a:ext cx="400121" cy="275251"/>
           </a:xfrm>
           <a:prstGeom prst="roundRect">
@@ -23064,7 +23064,7 @@
         </p:nvSpPr>
         <p:spPr>
           <a:xfrm>
-            <a:off x="2886040" y="2769859"/>
+            <a:off x="2886040" y="2676722"/>
             <a:ext cx="400121" cy="275251"/>
           </a:xfrm>
           <a:prstGeom prst="roundRect">
@@ -23136,7 +23136,7 @@
         </p:nvSpPr>
         <p:spPr>
           <a:xfrm>
-            <a:off x="5634623" y="2776209"/>
+            <a:off x="5634623" y="2683072"/>
             <a:ext cx="400121" cy="275251"/>
           </a:xfrm>
           <a:prstGeom prst="roundRect">
@@ -23208,7 +23208,7 @@
         </p:nvSpPr>
         <p:spPr>
           <a:xfrm>
-            <a:off x="7624208" y="2769859"/>
+            <a:off x="7624208" y="2676722"/>
             <a:ext cx="400121" cy="275251"/>
           </a:xfrm>
           <a:prstGeom prst="roundRect">
@@ -23283,8 +23283,8 @@
         </p:nvCxnSpPr>
         <p:spPr>
           <a:xfrm rot="16200000" flipH="1">
-            <a:off x="2136782" y="1820539"/>
-            <a:ext cx="534659" cy="1363979"/>
+            <a:off x="2183350" y="1773971"/>
+            <a:ext cx="441522" cy="1363979"/>
           </a:xfrm>
           <a:prstGeom prst="straightConnector1">
             <a:avLst/>
@@ -23366,8 +23366,8 @@
         </p:nvCxnSpPr>
         <p:spPr>
           <a:xfrm rot="16200000" flipH="1">
-            <a:off x="6864892" y="1810481"/>
-            <a:ext cx="534659" cy="1384096"/>
+            <a:off x="6911460" y="1763913"/>
+            <a:ext cx="441522" cy="1384096"/>
           </a:xfrm>
           <a:prstGeom prst="straightConnector1">
             <a:avLst/>
@@ -23408,8 +23408,8 @@
         </p:nvCxnSpPr>
         <p:spPr>
           <a:xfrm rot="5400000">
-            <a:off x="4418021" y="-1068395"/>
-            <a:ext cx="534659" cy="7141848"/>
+            <a:off x="4464589" y="-1114963"/>
+            <a:ext cx="441522" cy="7141848"/>
           </a:xfrm>
           <a:prstGeom prst="straightConnector1">
             <a:avLst/>
@@ -23487,8 +23487,8 @@
         </p:nvCxnSpPr>
         <p:spPr>
           <a:xfrm rot="16200000" flipH="1">
-            <a:off x="4942363" y="1883887"/>
-            <a:ext cx="541009" cy="1243634"/>
+            <a:off x="4988931" y="1837319"/>
+            <a:ext cx="447872" cy="1243634"/>
           </a:xfrm>
           <a:prstGeom prst="straightConnector1">
             <a:avLst/>
@@ -23624,14 +23624,7 @@
                 <a:latin typeface="Times"/>
                 <a:cs typeface="Times"/>
               </a:rPr>
-              <a:t>C</a:t>
-            </a:r>
-            <a:r>
-              <a:rPr lang="en-US" sz="1100" i="1" dirty="0" err="1" smtClean="0">
-                <a:latin typeface="Times"/>
-                <a:cs typeface="Times"/>
-              </a:rPr>
-              <a:t>(g</a:t>
+              <a:t>C(g</a:t>
             </a:r>
             <a:r>
               <a:rPr lang="en-US" sz="1100" i="1" dirty="0" smtClean="0">
@@ -23946,7 +23939,7 @@
         </p:nvSpPr>
         <p:spPr>
           <a:xfrm>
-            <a:off x="4326032" y="1066996"/>
+            <a:off x="4326032" y="1177063"/>
             <a:ext cx="325730" cy="261610"/>
           </a:xfrm>
           <a:prstGeom prst="rect">
@@ -24355,14 +24348,7 @@
                 <a:latin typeface="Times"/>
                 <a:cs typeface="Times"/>
               </a:rPr>
-              <a:t>C</a:t>
-            </a:r>
-            <a:r>
-              <a:rPr lang="en-US" sz="1100" i="1" dirty="0" err="1" smtClean="0">
-                <a:latin typeface="Times"/>
-                <a:cs typeface="Times"/>
-              </a:rPr>
-              <a:t>(g</a:t>
+              <a:t>C(g</a:t>
             </a:r>
             <a:r>
               <a:rPr lang="en-US" sz="1100" i="1" dirty="0" smtClean="0">
@@ -24436,7 +24422,7 @@
         </p:nvSpPr>
         <p:spPr>
           <a:xfrm>
-            <a:off x="918811" y="1025747"/>
+            <a:off x="918811" y="1220488"/>
             <a:ext cx="400121" cy="275251"/>
           </a:xfrm>
           <a:prstGeom prst="roundRect">
@@ -24508,7 +24494,7 @@
         </p:nvSpPr>
         <p:spPr>
           <a:xfrm>
-            <a:off x="2887311" y="1025747"/>
+            <a:off x="2887311" y="1220488"/>
             <a:ext cx="400121" cy="275251"/>
           </a:xfrm>
           <a:prstGeom prst="roundRect">
@@ -24580,7 +24566,7 @@
         </p:nvSpPr>
         <p:spPr>
           <a:xfrm>
-            <a:off x="5616799" y="1025747"/>
+            <a:off x="5616799" y="1220488"/>
             <a:ext cx="400121" cy="275251"/>
           </a:xfrm>
           <a:prstGeom prst="roundRect">
@@ -24652,7 +24638,7 @@
         </p:nvSpPr>
         <p:spPr>
           <a:xfrm>
-            <a:off x="7617049" y="1025748"/>
+            <a:off x="7617049" y="1220489"/>
             <a:ext cx="400121" cy="275251"/>
           </a:xfrm>
           <a:prstGeom prst="roundRect">
@@ -24724,7 +24710,7 @@
         </p:nvSpPr>
         <p:spPr>
           <a:xfrm>
-            <a:off x="4326032" y="669061"/>
+            <a:off x="4326032" y="855328"/>
             <a:ext cx="325730" cy="261610"/>
           </a:xfrm>
           <a:prstGeom prst="rect">
@@ -24902,8 +24888,8 @@
         </p:nvSpPr>
         <p:spPr>
           <a:xfrm>
-            <a:off x="133350" y="948267"/>
-            <a:ext cx="1962150" cy="2192866"/>
+            <a:off x="133350" y="1151467"/>
+            <a:ext cx="1962150" cy="1879600"/>
           </a:xfrm>
           <a:prstGeom prst="rect">
             <a:avLst/>
@@ -24950,8 +24936,8 @@
         </p:nvSpPr>
         <p:spPr>
           <a:xfrm>
-            <a:off x="2095500" y="948267"/>
-            <a:ext cx="1981200" cy="2192866"/>
+            <a:off x="2095500" y="1151467"/>
+            <a:ext cx="1981200" cy="1879600"/>
           </a:xfrm>
           <a:prstGeom prst="rect">
             <a:avLst/>
@@ -24998,8 +24984,8 @@
         </p:nvSpPr>
         <p:spPr>
           <a:xfrm>
-            <a:off x="4844083" y="948267"/>
-            <a:ext cx="1981200" cy="2192866"/>
+            <a:off x="4844083" y="1151467"/>
+            <a:ext cx="1981200" cy="1879600"/>
           </a:xfrm>
           <a:prstGeom prst="rect">
             <a:avLst/>
@@ -25046,8 +25032,8 @@
         </p:nvSpPr>
         <p:spPr>
           <a:xfrm>
-            <a:off x="6830493" y="948267"/>
-            <a:ext cx="1987550" cy="2192866"/>
+            <a:off x="6830493" y="1151467"/>
+            <a:ext cx="1987550" cy="1879600"/>
           </a:xfrm>
           <a:prstGeom prst="rect">
             <a:avLst/>
@@ -25094,7 +25080,7 @@
         </p:nvSpPr>
         <p:spPr>
           <a:xfrm>
-            <a:off x="825555" y="718097"/>
+            <a:off x="825555" y="904364"/>
             <a:ext cx="577740" cy="261610"/>
           </a:xfrm>
           <a:prstGeom prst="rect">
@@ -25133,7 +25119,7 @@
         </p:nvSpPr>
         <p:spPr>
           <a:xfrm>
-            <a:off x="2797230" y="718097"/>
+            <a:off x="2797230" y="904364"/>
             <a:ext cx="577740" cy="261610"/>
           </a:xfrm>
           <a:prstGeom prst="rect">
@@ -25172,7 +25158,7 @@
         </p:nvSpPr>
         <p:spPr>
           <a:xfrm>
-            <a:off x="5451750" y="718097"/>
+            <a:off x="5451750" y="904364"/>
             <a:ext cx="765867" cy="261610"/>
           </a:xfrm>
           <a:prstGeom prst="rect">
@@ -25231,7 +25217,7 @@
         </p:nvSpPr>
         <p:spPr>
           <a:xfrm>
-            <a:off x="7521604" y="718097"/>
+            <a:off x="7521604" y="904364"/>
             <a:ext cx="605329" cy="261610"/>
           </a:xfrm>
           <a:prstGeom prst="rect">
@@ -25592,20 +25578,7 @@
                 <a:latin typeface="Times"/>
                 <a:cs typeface="Times"/>
               </a:rPr>
-              <a:t>C</a:t>
-            </a:r>
-            <a:r>
-              <a:rPr lang="en-US" sz="1100" i="1" dirty="0" err="1" smtClean="0">
-                <a:solidFill>
-                  <a:schemeClr val="tx1">
-                    <a:lumMod val="50000"/>
-                    <a:lumOff val="50000"/>
-                  </a:schemeClr>
-                </a:solidFill>
-                <a:latin typeface="Times"/>
-                <a:cs typeface="Times"/>
-              </a:rPr>
-              <a:t>(g</a:t>
+              <a:t>C(g</a:t>
             </a:r>
             <a:r>
               <a:rPr lang="en-US" sz="1100" i="1" dirty="0" smtClean="0">
@@ -25742,20 +25715,7 @@
                 <a:latin typeface="Times"/>
                 <a:cs typeface="Times"/>
               </a:rPr>
-              <a:t>C</a:t>
-            </a:r>
-            <a:r>
-              <a:rPr lang="en-US" sz="1100" i="1" dirty="0" err="1" smtClean="0">
-                <a:solidFill>
-                  <a:schemeClr val="tx1">
-                    <a:lumMod val="50000"/>
-                    <a:lumOff val="50000"/>
-                  </a:schemeClr>
-                </a:solidFill>
-                <a:latin typeface="Times"/>
-                <a:cs typeface="Times"/>
-              </a:rPr>
-              <a:t>(g</a:t>
+              <a:t>C(g</a:t>
             </a:r>
             <a:r>
               <a:rPr lang="en-US" sz="1100" i="1" dirty="0" smtClean="0">
@@ -25833,14 +25793,7 @@
                 <a:latin typeface="Times"/>
                 <a:cs typeface="Times"/>
               </a:rPr>
-              <a:t>C</a:t>
-            </a:r>
-            <a:r>
-              <a:rPr lang="en-US" sz="1100" i="1" dirty="0" err="1" smtClean="0">
-                <a:latin typeface="Times"/>
-                <a:cs typeface="Times"/>
-              </a:rPr>
-              <a:t>(g</a:t>
+              <a:t>C(g</a:t>
             </a:r>
             <a:r>
               <a:rPr lang="en-US" sz="1100" i="1" dirty="0" smtClean="0">
